--- a/Academic_Stuff/Wireframe.pptx
+++ b/Academic_Stuff/Wireframe.pptx
@@ -108,6 +108,11 @@
       </a:defRPr>
     </a:lvl9pPr>
   </p:defaultTextStyle>
+  <p:extLst>
+    <p:ext uri="{EFAFB233-063F-42B5-8137-9DF3F51BA10A}">
+      <p15:sldGuideLst xmlns:p15="http://schemas.microsoft.com/office/powerpoint/2012/main"/>
+    </p:ext>
+  </p:extLst>
 </p:presentation>
 </file>
 
@@ -193,7 +198,7 @@
           <a:p>
             <a:fld id="{E93A0EA1-4591-4D0E-87E0-CDC662858EC3}" type="datetimeFigureOut">
               <a:rPr lang="en-IE" smtClean="0"/>
-              <a:t>10/09/2024</a:t>
+              <a:t>22/10/2024</a:t>
             </a:fld>
             <a:endParaRPr lang="en-IE"/>
           </a:p>
@@ -592,10 +597,7 @@
           <a:bodyPr/>
           <a:lstStyle/>
           <a:p>
-            <a:r>
-              <a:rPr lang="en-IE" dirty="0"/>
-              <a:t>Next is greyed out if not Camera is found</a:t>
-            </a:r>
+            <a:endParaRPr lang="en-IE" dirty="0"/>
           </a:p>
         </p:txBody>
       </p:sp>
@@ -625,7 +627,7 @@
     </p:spTree>
     <p:extLst>
       <p:ext uri="{BB962C8B-B14F-4D97-AF65-F5344CB8AC3E}">
-        <p14:creationId xmlns:p14="http://schemas.microsoft.com/office/powerpoint/2010/main" val="2019575824"/>
+        <p14:creationId xmlns:p14="http://schemas.microsoft.com/office/powerpoint/2010/main" val="1441954224"/>
       </p:ext>
     </p:extLst>
   </p:cSld>
@@ -784,7 +786,7 @@
           <a:p>
             <a:fld id="{0A6899CD-D232-4096-9E2D-957F91700F1F}" type="datetimeFigureOut">
               <a:rPr lang="en-IE" smtClean="0"/>
-              <a:t>10/09/2024</a:t>
+              <a:t>22/10/2024</a:t>
             </a:fld>
             <a:endParaRPr lang="en-IE"/>
           </a:p>
@@ -984,7 +986,7 @@
           <a:p>
             <a:fld id="{0A6899CD-D232-4096-9E2D-957F91700F1F}" type="datetimeFigureOut">
               <a:rPr lang="en-IE" smtClean="0"/>
-              <a:t>10/09/2024</a:t>
+              <a:t>22/10/2024</a:t>
             </a:fld>
             <a:endParaRPr lang="en-IE"/>
           </a:p>
@@ -1194,7 +1196,7 @@
           <a:p>
             <a:fld id="{0A6899CD-D232-4096-9E2D-957F91700F1F}" type="datetimeFigureOut">
               <a:rPr lang="en-IE" smtClean="0"/>
-              <a:t>10/09/2024</a:t>
+              <a:t>22/10/2024</a:t>
             </a:fld>
             <a:endParaRPr lang="en-IE"/>
           </a:p>
@@ -1394,7 +1396,7 @@
           <a:p>
             <a:fld id="{0A6899CD-D232-4096-9E2D-957F91700F1F}" type="datetimeFigureOut">
               <a:rPr lang="en-IE" smtClean="0"/>
-              <a:t>10/09/2024</a:t>
+              <a:t>22/10/2024</a:t>
             </a:fld>
             <a:endParaRPr lang="en-IE"/>
           </a:p>
@@ -1670,7 +1672,7 @@
           <a:p>
             <a:fld id="{0A6899CD-D232-4096-9E2D-957F91700F1F}" type="datetimeFigureOut">
               <a:rPr lang="en-IE" smtClean="0"/>
-              <a:t>10/09/2024</a:t>
+              <a:t>22/10/2024</a:t>
             </a:fld>
             <a:endParaRPr lang="en-IE"/>
           </a:p>
@@ -1938,7 +1940,7 @@
           <a:p>
             <a:fld id="{0A6899CD-D232-4096-9E2D-957F91700F1F}" type="datetimeFigureOut">
               <a:rPr lang="en-IE" smtClean="0"/>
-              <a:t>10/09/2024</a:t>
+              <a:t>22/10/2024</a:t>
             </a:fld>
             <a:endParaRPr lang="en-IE"/>
           </a:p>
@@ -2353,7 +2355,7 @@
           <a:p>
             <a:fld id="{0A6899CD-D232-4096-9E2D-957F91700F1F}" type="datetimeFigureOut">
               <a:rPr lang="en-IE" smtClean="0"/>
-              <a:t>10/09/2024</a:t>
+              <a:t>22/10/2024</a:t>
             </a:fld>
             <a:endParaRPr lang="en-IE"/>
           </a:p>
@@ -2495,7 +2497,7 @@
           <a:p>
             <a:fld id="{0A6899CD-D232-4096-9E2D-957F91700F1F}" type="datetimeFigureOut">
               <a:rPr lang="en-IE" smtClean="0"/>
-              <a:t>10/09/2024</a:t>
+              <a:t>22/10/2024</a:t>
             </a:fld>
             <a:endParaRPr lang="en-IE"/>
           </a:p>
@@ -2608,7 +2610,7 @@
           <a:p>
             <a:fld id="{0A6899CD-D232-4096-9E2D-957F91700F1F}" type="datetimeFigureOut">
               <a:rPr lang="en-IE" smtClean="0"/>
-              <a:t>10/09/2024</a:t>
+              <a:t>22/10/2024</a:t>
             </a:fld>
             <a:endParaRPr lang="en-IE"/>
           </a:p>
@@ -2921,7 +2923,7 @@
           <a:p>
             <a:fld id="{0A6899CD-D232-4096-9E2D-957F91700F1F}" type="datetimeFigureOut">
               <a:rPr lang="en-IE" smtClean="0"/>
-              <a:t>10/09/2024</a:t>
+              <a:t>22/10/2024</a:t>
             </a:fld>
             <a:endParaRPr lang="en-IE"/>
           </a:p>
@@ -3210,7 +3212,7 @@
           <a:p>
             <a:fld id="{0A6899CD-D232-4096-9E2D-957F91700F1F}" type="datetimeFigureOut">
               <a:rPr lang="en-IE" smtClean="0"/>
-              <a:t>10/09/2024</a:t>
+              <a:t>22/10/2024</a:t>
             </a:fld>
             <a:endParaRPr lang="en-IE"/>
           </a:p>
@@ -3453,7 +3455,7 @@
           <a:p>
             <a:fld id="{0A6899CD-D232-4096-9E2D-957F91700F1F}" type="datetimeFigureOut">
               <a:rPr lang="en-IE" smtClean="0"/>
-              <a:t>10/09/2024</a:t>
+              <a:t>22/10/2024</a:t>
             </a:fld>
             <a:endParaRPr lang="en-IE"/>
           </a:p>
@@ -3856,6 +3858,18 @@
 <file path=ppt/slides/slide1.xml><?xml version="1.0" encoding="utf-8"?>
 <p:sld xmlns:a="http://schemas.openxmlformats.org/drawingml/2006/main" xmlns:r="http://schemas.openxmlformats.org/officeDocument/2006/relationships" xmlns:p="http://schemas.openxmlformats.org/presentationml/2006/main">
   <p:cSld>
+    <p:bg>
+      <p:bgPr>
+        <a:solidFill>
+          <a:schemeClr val="accent1">
+            <a:lumMod val="60000"/>
+            <a:lumOff val="40000"/>
+            <a:alpha val="30000"/>
+          </a:schemeClr>
+        </a:solidFill>
+        <a:effectLst/>
+      </p:bgPr>
+    </p:bg>
     <p:spTree>
       <p:nvGrpSpPr>
         <p:cNvPr id="1" name=""/>
@@ -3870,12 +3884,48 @@
           <a:chExt cx="0" cy="0"/>
         </a:xfrm>
       </p:grpSpPr>
-      <p:sp>
-        <p:nvSpPr>
-          <p:cNvPr id="4" name="ZoneTexte 3">
-            <a:extLst>
-              <a:ext uri="{FF2B5EF4-FFF2-40B4-BE49-F238E27FC236}">
-                <a16:creationId xmlns:a16="http://schemas.microsoft.com/office/drawing/2014/main" id="{AAA38475-9061-E395-B358-EAFBEC204D59}"/>
+      <p:pic>
+        <p:nvPicPr>
+          <p:cNvPr id="3" name="Image 2">
+            <a:extLst>
+              <a:ext uri="{FF2B5EF4-FFF2-40B4-BE49-F238E27FC236}">
+                <a16:creationId xmlns:a16="http://schemas.microsoft.com/office/drawing/2014/main" id="{29DBB50F-A2F8-AED6-4C0E-8751E7F00669}"/>
+              </a:ext>
+            </a:extLst>
+          </p:cNvPr>
+          <p:cNvPicPr>
+            <a:picLocks noChangeAspect="1"/>
+          </p:cNvPicPr>
+          <p:nvPr/>
+        </p:nvPicPr>
+        <p:blipFill>
+          <a:blip r:embed="rId3">
+            <a:extLst>
+              <a:ext uri="{28A0092B-C50C-407E-A947-70E740481C1C}">
+                <a14:useLocalDpi xmlns:a14="http://schemas.microsoft.com/office/drawing/2010/main" val="0"/>
+              </a:ext>
+            </a:extLst>
+          </a:blip>
+          <a:stretch>
+            <a:fillRect/>
+          </a:stretch>
+        </p:blipFill>
+        <p:spPr>
+          <a:xfrm>
+            <a:off x="0" y="457118"/>
+            <a:ext cx="12192000" cy="900717"/>
+          </a:xfrm>
+          <a:prstGeom prst="rect">
+            <a:avLst/>
+          </a:prstGeom>
+        </p:spPr>
+      </p:pic>
+      <p:sp>
+        <p:nvSpPr>
+          <p:cNvPr id="5" name="ZoneTexte 4">
+            <a:extLst>
+              <a:ext uri="{FF2B5EF4-FFF2-40B4-BE49-F238E27FC236}">
+                <a16:creationId xmlns:a16="http://schemas.microsoft.com/office/drawing/2014/main" id="{B742118E-90B4-0565-37D6-43E1B0A99D7C}"/>
               </a:ext>
             </a:extLst>
           </p:cNvPr>
@@ -3884,8 +3934,8 @@
         </p:nvSpPr>
         <p:spPr>
           <a:xfrm>
-            <a:off x="3620655" y="526473"/>
-            <a:ext cx="4913745" cy="646331"/>
+            <a:off x="2470727" y="1876567"/>
+            <a:ext cx="7250546" cy="4524315"/>
           </a:xfrm>
           <a:prstGeom prst="rect">
             <a:avLst/>
@@ -3898,44 +3948,126 @@
           </a:bodyPr>
           <a:lstStyle/>
           <a:p>
-            <a:r>
-              <a:rPr lang="en-IE" sz="3600" dirty="0"/>
-              <a:t>Pokémon Card Scanner</a:t>
-            </a:r>
-          </a:p>
-        </p:txBody>
-      </p:sp>
-      <p:sp>
-        <p:nvSpPr>
-          <p:cNvPr id="17" name="ZoneTexte 16">
-            <a:extLst>
-              <a:ext uri="{FF2B5EF4-FFF2-40B4-BE49-F238E27FC236}">
-                <a16:creationId xmlns:a16="http://schemas.microsoft.com/office/drawing/2014/main" id="{3C3E1B1E-ADA5-8FB4-A97C-919F013C20E7}"/>
-              </a:ext>
-            </a:extLst>
-          </p:cNvPr>
-          <p:cNvSpPr txBox="1"/>
-          <p:nvPr/>
-        </p:nvSpPr>
-        <p:spPr>
-          <a:xfrm>
-            <a:off x="4789747" y="2002536"/>
-            <a:ext cx="2575560" cy="369332"/>
-          </a:xfrm>
-          <a:prstGeom prst="rect">
-            <a:avLst/>
-          </a:prstGeom>
-          <a:noFill/>
-        </p:spPr>
-        <p:txBody>
-          <a:bodyPr wrap="square" rtlCol="0">
-            <a:spAutoFit/>
-          </a:bodyPr>
-          <a:lstStyle/>
-          <a:p>
-            <a:r>
-              <a:rPr lang="en-IE" dirty="0"/>
-              <a:t>Scanning for cameras…</a:t>
+            <a:pPr marL="285750" indent="-285750">
+              <a:buBlip>
+                <a:blip r:embed="rId4"/>
+              </a:buBlip>
+            </a:pPr>
+            <a:r>
+              <a:rPr lang="en-IE" sz="3200" dirty="0">
+                <a:latin typeface="Palatino Linotype" panose="02040502050505030304" pitchFamily="18" charset="0"/>
+              </a:rPr>
+              <a:t> Matthieu Roscio</a:t>
+            </a:r>
+          </a:p>
+          <a:p>
+            <a:endParaRPr lang="en-IE" sz="3200" dirty="0">
+              <a:latin typeface="Palatino Linotype" panose="02040502050505030304" pitchFamily="18" charset="0"/>
+            </a:endParaRPr>
+          </a:p>
+          <a:p>
+            <a:pPr marL="285750" indent="-285750">
+              <a:buBlip>
+                <a:blip r:embed="rId4"/>
+              </a:buBlip>
+            </a:pPr>
+            <a:r>
+              <a:rPr lang="en-IE" sz="3200" dirty="0">
+                <a:latin typeface="Palatino Linotype" panose="02040502050505030304" pitchFamily="18" charset="0"/>
+              </a:rPr>
+              <a:t> </a:t>
+            </a:r>
+            <a:r>
+              <a:rPr lang="en-IE" sz="3200" dirty="0" err="1">
+                <a:latin typeface="Palatino Linotype" panose="02040502050505030304" pitchFamily="18" charset="0"/>
+              </a:rPr>
+              <a:t>Github</a:t>
+            </a:r>
+            <a:r>
+              <a:rPr lang="en-IE" sz="3200" dirty="0">
+                <a:latin typeface="Palatino Linotype" panose="02040502050505030304" pitchFamily="18" charset="0"/>
+              </a:rPr>
+              <a:t>: </a:t>
+            </a:r>
+            <a:r>
+              <a:rPr lang="en-IE" sz="3200" dirty="0" err="1">
+                <a:latin typeface="Palatino Linotype" panose="02040502050505030304" pitchFamily="18" charset="0"/>
+              </a:rPr>
+              <a:t>mthrsc</a:t>
+            </a:r>
+            <a:endParaRPr lang="en-IE" sz="3200" dirty="0">
+              <a:latin typeface="Palatino Linotype" panose="02040502050505030304" pitchFamily="18" charset="0"/>
+            </a:endParaRPr>
+          </a:p>
+          <a:p>
+            <a:pPr marL="285750" indent="-285750">
+              <a:buBlip>
+                <a:blip r:embed="rId4"/>
+              </a:buBlip>
+            </a:pPr>
+            <a:endParaRPr lang="en-IE" sz="3200" dirty="0">
+              <a:latin typeface="Palatino Linotype" panose="02040502050505030304" pitchFamily="18" charset="0"/>
+            </a:endParaRPr>
+          </a:p>
+          <a:p>
+            <a:pPr marL="285750" indent="-285750">
+              <a:buBlip>
+                <a:blip r:embed="rId4"/>
+              </a:buBlip>
+            </a:pPr>
+            <a:r>
+              <a:rPr lang="en-IE" sz="3200" dirty="0">
+                <a:latin typeface="Palatino Linotype" panose="02040502050505030304" pitchFamily="18" charset="0"/>
+              </a:rPr>
+              <a:t> </a:t>
+            </a:r>
+            <a:r>
+              <a:rPr lang="en-IE" sz="3200" dirty="0" err="1">
+                <a:latin typeface="Palatino Linotype" panose="02040502050505030304" pitchFamily="18" charset="0"/>
+              </a:rPr>
+              <a:t>Edx</a:t>
+            </a:r>
+            <a:r>
+              <a:rPr lang="en-IE" sz="3200" dirty="0">
+                <a:latin typeface="Palatino Linotype" panose="02040502050505030304" pitchFamily="18" charset="0"/>
+              </a:rPr>
+              <a:t>: MR_2407_S7MX</a:t>
+            </a:r>
+          </a:p>
+          <a:p>
+            <a:endParaRPr lang="en-IE" sz="3200" dirty="0">
+              <a:latin typeface="Palatino Linotype" panose="02040502050505030304" pitchFamily="18" charset="0"/>
+            </a:endParaRPr>
+          </a:p>
+          <a:p>
+            <a:pPr marL="285750" indent="-285750">
+              <a:buBlip>
+                <a:blip r:embed="rId4"/>
+              </a:buBlip>
+            </a:pPr>
+            <a:r>
+              <a:rPr lang="en-IE" sz="3200" dirty="0">
+                <a:latin typeface="Palatino Linotype" panose="02040502050505030304" pitchFamily="18" charset="0"/>
+              </a:rPr>
+              <a:t> Cork, Ireland</a:t>
+            </a:r>
+          </a:p>
+          <a:p>
+            <a:endParaRPr lang="en-IE" sz="3200" dirty="0">
+              <a:latin typeface="Palatino Linotype" panose="02040502050505030304" pitchFamily="18" charset="0"/>
+            </a:endParaRPr>
+          </a:p>
+          <a:p>
+            <a:pPr marL="285750" indent="-285750">
+              <a:buBlip>
+                <a:blip r:embed="rId4"/>
+              </a:buBlip>
+            </a:pPr>
+            <a:r>
+              <a:rPr lang="en-IE" sz="3200" dirty="0">
+                <a:latin typeface="Palatino Linotype" panose="02040502050505030304" pitchFamily="18" charset="0"/>
+              </a:rPr>
+              <a:t> 23/10/2024</a:t>
             </a:r>
           </a:p>
         </p:txBody>
@@ -3956,6 +4088,18 @@
 <file path=ppt/slides/slide2.xml><?xml version="1.0" encoding="utf-8"?>
 <p:sld xmlns:a="http://schemas.openxmlformats.org/drawingml/2006/main" xmlns:r="http://schemas.openxmlformats.org/officeDocument/2006/relationships" xmlns:p="http://schemas.openxmlformats.org/presentationml/2006/main">
   <p:cSld>
+    <p:bg>
+      <p:bgPr>
+        <a:solidFill>
+          <a:schemeClr val="accent1">
+            <a:lumMod val="60000"/>
+            <a:lumOff val="40000"/>
+            <a:alpha val="30000"/>
+          </a:schemeClr>
+        </a:solidFill>
+        <a:effectLst/>
+      </p:bgPr>
+    </p:bg>
     <p:spTree>
       <p:nvGrpSpPr>
         <p:cNvPr id="1" name=""/>
@@ -3970,117 +4114,12 @@
           <a:chExt cx="0" cy="0"/>
         </a:xfrm>
       </p:grpSpPr>
-      <p:sp>
-        <p:nvSpPr>
-          <p:cNvPr id="4" name="ZoneTexte 3">
-            <a:extLst>
-              <a:ext uri="{FF2B5EF4-FFF2-40B4-BE49-F238E27FC236}">
-                <a16:creationId xmlns:a16="http://schemas.microsoft.com/office/drawing/2014/main" id="{AAA38475-9061-E395-B358-EAFBEC204D59}"/>
-              </a:ext>
-            </a:extLst>
-          </p:cNvPr>
-          <p:cNvSpPr txBox="1"/>
-          <p:nvPr/>
-        </p:nvSpPr>
-        <p:spPr>
-          <a:xfrm>
-            <a:off x="3620655" y="526473"/>
-            <a:ext cx="4913745" cy="646331"/>
-          </a:xfrm>
-          <a:prstGeom prst="rect">
-            <a:avLst/>
-          </a:prstGeom>
-          <a:noFill/>
-        </p:spPr>
-        <p:txBody>
-          <a:bodyPr wrap="square" rtlCol="0">
-            <a:spAutoFit/>
-          </a:bodyPr>
-          <a:lstStyle/>
-          <a:p>
-            <a:r>
-              <a:rPr lang="en-IE" sz="3600" dirty="0"/>
-              <a:t>Pokémon Card Scanner</a:t>
-            </a:r>
-          </a:p>
-        </p:txBody>
-      </p:sp>
-      <p:sp>
-        <p:nvSpPr>
-          <p:cNvPr id="5" name="ZoneTexte 4">
-            <a:extLst>
-              <a:ext uri="{FF2B5EF4-FFF2-40B4-BE49-F238E27FC236}">
-                <a16:creationId xmlns:a16="http://schemas.microsoft.com/office/drawing/2014/main" id="{BB6038DA-C82A-F341-EBAC-D986B85F4927}"/>
-              </a:ext>
-            </a:extLst>
-          </p:cNvPr>
-          <p:cNvSpPr txBox="1"/>
-          <p:nvPr/>
-        </p:nvSpPr>
-        <p:spPr>
-          <a:xfrm>
-            <a:off x="674255" y="1524000"/>
-            <a:ext cx="3546763" cy="369332"/>
-          </a:xfrm>
-          <a:prstGeom prst="rect">
-            <a:avLst/>
-          </a:prstGeom>
-          <a:noFill/>
-        </p:spPr>
-        <p:txBody>
-          <a:bodyPr wrap="square" rtlCol="0">
-            <a:spAutoFit/>
-          </a:bodyPr>
-          <a:lstStyle/>
-          <a:p>
-            <a:r>
-              <a:rPr lang="en-IE" dirty="0"/>
-              <a:t>Select Camera:</a:t>
-            </a:r>
-          </a:p>
-        </p:txBody>
-      </p:sp>
-      <p:sp>
-        <p:nvSpPr>
-          <p:cNvPr id="6" name="ZoneTexte 5">
-            <a:extLst>
-              <a:ext uri="{FF2B5EF4-FFF2-40B4-BE49-F238E27FC236}">
-                <a16:creationId xmlns:a16="http://schemas.microsoft.com/office/drawing/2014/main" id="{78B012A0-0888-142D-A0EA-E6FC4607110A}"/>
-              </a:ext>
-            </a:extLst>
-          </p:cNvPr>
-          <p:cNvSpPr txBox="1"/>
-          <p:nvPr/>
-        </p:nvSpPr>
-        <p:spPr>
-          <a:xfrm>
-            <a:off x="775854" y="1976582"/>
-            <a:ext cx="4147127" cy="369332"/>
-          </a:xfrm>
-          <a:prstGeom prst="rect">
-            <a:avLst/>
-          </a:prstGeom>
-          <a:noFill/>
-        </p:spPr>
-        <p:txBody>
-          <a:bodyPr wrap="square" rtlCol="0">
-            <a:spAutoFit/>
-          </a:bodyPr>
-          <a:lstStyle/>
-          <a:p>
-            <a:r>
-              <a:rPr lang="en-IE" dirty="0"/>
-              <a:t>id: 700 – Camera USB</a:t>
-            </a:r>
-          </a:p>
-        </p:txBody>
-      </p:sp>
       <p:pic>
         <p:nvPicPr>
-          <p:cNvPr id="9" name="Image 8" descr="Une image contenant cercle, Graphique, conception&#10;&#10;Description générée automatiquement">
-            <a:extLst>
-              <a:ext uri="{FF2B5EF4-FFF2-40B4-BE49-F238E27FC236}">
-                <a16:creationId xmlns:a16="http://schemas.microsoft.com/office/drawing/2014/main" id="{BC6265A0-6C07-CCE3-217C-863624BC3F4E}"/>
+          <p:cNvPr id="3" name="Image 2">
+            <a:extLst>
+              <a:ext uri="{FF2B5EF4-FFF2-40B4-BE49-F238E27FC236}">
+                <a16:creationId xmlns:a16="http://schemas.microsoft.com/office/drawing/2014/main" id="{29DBB50F-A2F8-AED6-4C0E-8751E7F00669}"/>
               </a:ext>
             </a:extLst>
           </p:cNvPr>
@@ -4103,8 +4142,8 @@
         </p:blipFill>
         <p:spPr>
           <a:xfrm>
-            <a:off x="510393" y="2087380"/>
-            <a:ext cx="265461" cy="147735"/>
+            <a:off x="0" y="457118"/>
+            <a:ext cx="12192000" cy="900717"/>
           </a:xfrm>
           <a:prstGeom prst="rect">
             <a:avLst/>
@@ -4113,10 +4152,10 @@
       </p:pic>
       <p:sp>
         <p:nvSpPr>
-          <p:cNvPr id="10" name="ZoneTexte 9">
-            <a:extLst>
-              <a:ext uri="{FF2B5EF4-FFF2-40B4-BE49-F238E27FC236}">
-                <a16:creationId xmlns:a16="http://schemas.microsoft.com/office/drawing/2014/main" id="{4EBC0445-4721-5AA6-D315-264C187875B4}"/>
+          <p:cNvPr id="5" name="ZoneTexte 4">
+            <a:extLst>
+              <a:ext uri="{FF2B5EF4-FFF2-40B4-BE49-F238E27FC236}">
+                <a16:creationId xmlns:a16="http://schemas.microsoft.com/office/drawing/2014/main" id="{B742118E-90B4-0565-37D6-43E1B0A99D7C}"/>
               </a:ext>
             </a:extLst>
           </p:cNvPr>
@@ -4125,8 +4164,8 @@
         </p:nvSpPr>
         <p:spPr>
           <a:xfrm>
-            <a:off x="775854" y="2390097"/>
-            <a:ext cx="4147127" cy="369332"/>
+            <a:off x="2470727" y="1871061"/>
+            <a:ext cx="7250546" cy="2554545"/>
           </a:xfrm>
           <a:prstGeom prst="rect">
             <a:avLst/>
@@ -4139,267 +4178,62 @@
           </a:bodyPr>
           <a:lstStyle/>
           <a:p>
-            <a:r>
-              <a:rPr lang="en-IE" dirty="0"/>
-              <a:t>id: 701 – HD Camera</a:t>
-            </a:r>
-          </a:p>
-        </p:txBody>
-      </p:sp>
-      <p:pic>
-        <p:nvPicPr>
-          <p:cNvPr id="12" name="Image 11" descr="Une image contenant cercle, Graphique, conception&#10;&#10;Description générée automatiquement">
-            <a:extLst>
-              <a:ext uri="{FF2B5EF4-FFF2-40B4-BE49-F238E27FC236}">
-                <a16:creationId xmlns:a16="http://schemas.microsoft.com/office/drawing/2014/main" id="{9616FF72-FA22-A5BA-7370-06808D305425}"/>
-              </a:ext>
-            </a:extLst>
-          </p:cNvPr>
-          <p:cNvPicPr>
-            <a:picLocks noChangeAspect="1"/>
-          </p:cNvPicPr>
-          <p:nvPr/>
-        </p:nvPicPr>
-        <p:blipFill>
-          <a:blip r:embed="rId4">
-            <a:extLst>
-              <a:ext uri="{28A0092B-C50C-407E-A947-70E740481C1C}">
-                <a14:useLocalDpi xmlns:a14="http://schemas.microsoft.com/office/drawing/2010/main" val="0"/>
-              </a:ext>
-            </a:extLst>
-          </a:blip>
-          <a:stretch>
-            <a:fillRect/>
-          </a:stretch>
-        </p:blipFill>
-        <p:spPr>
-          <a:xfrm>
-            <a:off x="499138" y="2496052"/>
-            <a:ext cx="276716" cy="157421"/>
-          </a:xfrm>
-          <a:prstGeom prst="rect">
-            <a:avLst/>
-          </a:prstGeom>
-        </p:spPr>
-      </p:pic>
-      <p:pic>
-        <p:nvPicPr>
-          <p:cNvPr id="13" name="Image 12" descr="Une image contenant cercle, Graphique, conception&#10;&#10;Description générée automatiquement">
-            <a:extLst>
-              <a:ext uri="{FF2B5EF4-FFF2-40B4-BE49-F238E27FC236}">
-                <a16:creationId xmlns:a16="http://schemas.microsoft.com/office/drawing/2014/main" id="{B512023A-C47C-4A3D-C993-97BBF0955905}"/>
-              </a:ext>
-            </a:extLst>
-          </p:cNvPr>
-          <p:cNvPicPr>
-            <a:picLocks noChangeAspect="1"/>
-          </p:cNvPicPr>
-          <p:nvPr/>
-        </p:nvPicPr>
-        <p:blipFill>
-          <a:blip r:embed="rId4">
-            <a:extLst>
-              <a:ext uri="{28A0092B-C50C-407E-A947-70E740481C1C}">
-                <a14:useLocalDpi xmlns:a14="http://schemas.microsoft.com/office/drawing/2010/main" val="0"/>
-              </a:ext>
-            </a:extLst>
-          </a:blip>
-          <a:stretch>
-            <a:fillRect/>
-          </a:stretch>
-        </p:blipFill>
-        <p:spPr>
-          <a:xfrm>
-            <a:off x="510393" y="2862945"/>
-            <a:ext cx="276716" cy="157421"/>
-          </a:xfrm>
-          <a:prstGeom prst="rect">
-            <a:avLst/>
-          </a:prstGeom>
-        </p:spPr>
-      </p:pic>
-      <p:sp>
-        <p:nvSpPr>
-          <p:cNvPr id="14" name="ZoneTexte 13">
-            <a:extLst>
-              <a:ext uri="{FF2B5EF4-FFF2-40B4-BE49-F238E27FC236}">
-                <a16:creationId xmlns:a16="http://schemas.microsoft.com/office/drawing/2014/main" id="{B085534F-B005-2316-296E-A2E0BBACF3C0}"/>
-              </a:ext>
-            </a:extLst>
-          </p:cNvPr>
-          <p:cNvSpPr txBox="1"/>
-          <p:nvPr/>
-        </p:nvSpPr>
-        <p:spPr>
-          <a:xfrm>
-            <a:off x="787109" y="2759429"/>
-            <a:ext cx="4147127" cy="369332"/>
-          </a:xfrm>
-          <a:prstGeom prst="rect">
-            <a:avLst/>
-          </a:prstGeom>
-          <a:noFill/>
-        </p:spPr>
-        <p:txBody>
-          <a:bodyPr wrap="square" rtlCol="0">
-            <a:spAutoFit/>
-          </a:bodyPr>
-          <a:lstStyle/>
-          <a:p>
-            <a:r>
-              <a:rPr lang="en-IE" dirty="0"/>
-              <a:t>id: 702 – etc…</a:t>
-            </a:r>
-          </a:p>
-        </p:txBody>
-      </p:sp>
-      <p:sp>
-        <p:nvSpPr>
-          <p:cNvPr id="15" name="Rectangle 14">
-            <a:extLst>
-              <a:ext uri="{FF2B5EF4-FFF2-40B4-BE49-F238E27FC236}">
-                <a16:creationId xmlns:a16="http://schemas.microsoft.com/office/drawing/2014/main" id="{639CDCD8-9A71-3B4B-F808-C1E7209A1E63}"/>
-              </a:ext>
-            </a:extLst>
-          </p:cNvPr>
-          <p:cNvSpPr/>
-          <p:nvPr/>
-        </p:nvSpPr>
-        <p:spPr>
-          <a:xfrm>
-            <a:off x="10030968" y="5486495"/>
-            <a:ext cx="1258101" cy="475394"/>
-          </a:xfrm>
-          <a:prstGeom prst="rect">
-            <a:avLst/>
-          </a:prstGeom>
-          <a:ln>
-            <a:extLst>
-              <a:ext uri="{C807C97D-BFC1-408E-A445-0C87EB9F89A2}">
-                <ask:lineSketchStyleProps xmlns:ask="http://schemas.microsoft.com/office/drawing/2018/sketchyshapes" sd="981765707">
-                  <a:custGeom>
-                    <a:avLst/>
-                    <a:gdLst>
-                      <a:gd name="connsiteX0" fmla="*/ 0 w 2196445"/>
-                      <a:gd name="connsiteY0" fmla="*/ 0 h 646331"/>
-                      <a:gd name="connsiteX1" fmla="*/ 2196445 w 2196445"/>
-                      <a:gd name="connsiteY1" fmla="*/ 0 h 646331"/>
-                      <a:gd name="connsiteX2" fmla="*/ 2196445 w 2196445"/>
-                      <a:gd name="connsiteY2" fmla="*/ 646331 h 646331"/>
-                      <a:gd name="connsiteX3" fmla="*/ 0 w 2196445"/>
-                      <a:gd name="connsiteY3" fmla="*/ 646331 h 646331"/>
-                      <a:gd name="connsiteX4" fmla="*/ 0 w 2196445"/>
-                      <a:gd name="connsiteY4" fmla="*/ 0 h 646331"/>
-                    </a:gdLst>
-                    <a:ahLst/>
-                    <a:cxnLst>
-                      <a:cxn ang="0">
-                        <a:pos x="connsiteX0" y="connsiteY0"/>
-                      </a:cxn>
-                      <a:cxn ang="0">
-                        <a:pos x="connsiteX1" y="connsiteY1"/>
-                      </a:cxn>
-                      <a:cxn ang="0">
-                        <a:pos x="connsiteX2" y="connsiteY2"/>
-                      </a:cxn>
-                      <a:cxn ang="0">
-                        <a:pos x="connsiteX3" y="connsiteY3"/>
-                      </a:cxn>
-                      <a:cxn ang="0">
-                        <a:pos x="connsiteX4" y="connsiteY4"/>
-                      </a:cxn>
-                    </a:cxnLst>
-                    <a:rect l="l" t="t" r="r" b="b"/>
-                    <a:pathLst>
-                      <a:path w="2196445" h="646331" fill="none" extrusionOk="0">
-                        <a:moveTo>
-                          <a:pt x="0" y="0"/>
-                        </a:moveTo>
-                        <a:cubicBezTo>
-                          <a:pt x="579886" y="-33775"/>
-                          <a:pt x="1365703" y="138873"/>
-                          <a:pt x="2196445" y="0"/>
-                        </a:cubicBezTo>
-                        <a:cubicBezTo>
-                          <a:pt x="2224463" y="300386"/>
-                          <a:pt x="2179086" y="555476"/>
-                          <a:pt x="2196445" y="646331"/>
-                        </a:cubicBezTo>
-                        <a:cubicBezTo>
-                          <a:pt x="1164748" y="509001"/>
-                          <a:pt x="711154" y="508475"/>
-                          <a:pt x="0" y="646331"/>
-                        </a:cubicBezTo>
-                        <a:cubicBezTo>
-                          <a:pt x="41281" y="554748"/>
-                          <a:pt x="43087" y="116183"/>
-                          <a:pt x="0" y="0"/>
-                        </a:cubicBezTo>
-                        <a:close/>
-                      </a:path>
-                      <a:path w="2196445" h="646331" stroke="0" extrusionOk="0">
-                        <a:moveTo>
-                          <a:pt x="0" y="0"/>
-                        </a:moveTo>
-                        <a:cubicBezTo>
-                          <a:pt x="885149" y="-101487"/>
-                          <a:pt x="1187409" y="-162162"/>
-                          <a:pt x="2196445" y="0"/>
-                        </a:cubicBezTo>
-                        <a:cubicBezTo>
-                          <a:pt x="2212151" y="155220"/>
-                          <a:pt x="2246342" y="457908"/>
-                          <a:pt x="2196445" y="646331"/>
-                        </a:cubicBezTo>
-                        <a:cubicBezTo>
-                          <a:pt x="1849111" y="696396"/>
-                          <a:pt x="636557" y="487882"/>
-                          <a:pt x="0" y="646331"/>
-                        </a:cubicBezTo>
-                        <a:cubicBezTo>
-                          <a:pt x="-30818" y="527861"/>
-                          <a:pt x="-3845" y="153755"/>
-                          <a:pt x="0" y="0"/>
-                        </a:cubicBezTo>
-                        <a:close/>
-                      </a:path>
-                    </a:pathLst>
-                  </a:custGeom>
-                  <ask:type>
-                    <ask:lineSketchNone/>
-                  </ask:type>
-                </ask:lineSketchStyleProps>
-              </a:ext>
-            </a:extLst>
-          </a:ln>
-          <a:effectLst>
-            <a:innerShdw blurRad="114300">
-              <a:prstClr val="black"/>
-            </a:innerShdw>
-          </a:effectLst>
-        </p:spPr>
-        <p:style>
-          <a:lnRef idx="2">
-            <a:schemeClr val="dk1"/>
-          </a:lnRef>
-          <a:fillRef idx="1">
-            <a:schemeClr val="lt1"/>
-          </a:fillRef>
-          <a:effectRef idx="0">
-            <a:schemeClr val="dk1"/>
-          </a:effectRef>
-          <a:fontRef idx="minor">
-            <a:schemeClr val="dk1"/>
-          </a:fontRef>
-        </p:style>
-        <p:txBody>
-          <a:bodyPr rtlCol="0" anchor="ctr"/>
-          <a:lstStyle/>
-          <a:p>
-            <a:pPr algn="ctr"/>
-            <a:r>
-              <a:rPr lang="en-IE" dirty="0"/>
-              <a:t>Next</a:t>
+            <a:pPr marL="285750" indent="-285750">
+              <a:buBlip>
+                <a:blip r:embed="rId4"/>
+              </a:buBlip>
+            </a:pPr>
+            <a:r>
+              <a:rPr lang="en-IE" sz="3200" dirty="0">
+                <a:latin typeface="Palatino Linotype" panose="02040502050505030304" pitchFamily="18" charset="0"/>
+              </a:rPr>
+              <a:t> Story behind the idea</a:t>
+            </a:r>
+          </a:p>
+          <a:p>
+            <a:pPr marL="285750" indent="-285750">
+              <a:buBlip>
+                <a:blip r:embed="rId4"/>
+              </a:buBlip>
+            </a:pPr>
+            <a:endParaRPr lang="en-IE" sz="3200" dirty="0">
+              <a:latin typeface="Palatino Linotype" panose="02040502050505030304" pitchFamily="18" charset="0"/>
+            </a:endParaRPr>
+          </a:p>
+          <a:p>
+            <a:pPr marL="285750" indent="-285750">
+              <a:buBlip>
+                <a:blip r:embed="rId4"/>
+              </a:buBlip>
+            </a:pPr>
+            <a:r>
+              <a:rPr lang="en-IE" sz="3200" dirty="0">
+                <a:latin typeface="Palatino Linotype" panose="02040502050505030304" pitchFamily="18" charset="0"/>
+              </a:rPr>
+              <a:t> Demo</a:t>
+            </a:r>
+          </a:p>
+          <a:p>
+            <a:pPr marL="285750" indent="-285750">
+              <a:buBlip>
+                <a:blip r:embed="rId4"/>
+              </a:buBlip>
+            </a:pPr>
+            <a:endParaRPr lang="en-IE" sz="3200" dirty="0">
+              <a:latin typeface="Palatino Linotype" panose="02040502050505030304" pitchFamily="18" charset="0"/>
+            </a:endParaRPr>
+          </a:p>
+          <a:p>
+            <a:pPr marL="285750" indent="-285750">
+              <a:buBlip>
+                <a:blip r:embed="rId4"/>
+              </a:buBlip>
+            </a:pPr>
+            <a:r>
+              <a:rPr lang="en-IE" sz="3200" dirty="0">
+                <a:latin typeface="Palatino Linotype" panose="02040502050505030304" pitchFamily="18" charset="0"/>
+              </a:rPr>
+              <a:t> Conclusion</a:t>
             </a:r>
           </a:p>
         </p:txBody>
@@ -4407,7 +4241,7 @@
     </p:spTree>
     <p:extLst>
       <p:ext uri="{BB962C8B-B14F-4D97-AF65-F5344CB8AC3E}">
-        <p14:creationId xmlns:p14="http://schemas.microsoft.com/office/powerpoint/2010/main" val="2677831313"/>
+        <p14:creationId xmlns:p14="http://schemas.microsoft.com/office/powerpoint/2010/main" val="2363369837"/>
       </p:ext>
     </p:extLst>
   </p:cSld>
